--- a/Presentation Slides.pptx
+++ b/Presentation Slides.pptx
@@ -17,6 +17,7 @@
     <p:sldId id="267" r:id="rId11"/>
     <p:sldId id="268" r:id="rId12"/>
     <p:sldId id="270" r:id="rId13"/>
+    <p:sldId id="271" r:id="rId14"/>
   </p:sldIdLst>
   <p:sldSz cx="12192000" cy="6858000"/>
   <p:notesSz cx="6858000" cy="9144000"/>
@@ -115,7 +116,16 @@
       </a:defRPr>
     </a:lvl9pPr>
   </p:defaultTextStyle>
+  <p:extLst>
+    <p:ext uri="{EFAFB233-063F-42B5-8137-9DF3F51BA10A}">
+      <p15:sldGuideLst xmlns:p15="http://schemas.microsoft.com/office/powerpoint/2012/main"/>
+    </p:ext>
+  </p:extLst>
 </p:presentation>
+</file>
+
+<file path=ppt/revisionInfo.xml><?xml version="1.0" encoding="utf-8"?>
+<p1510:revInfo xmlns:a="http://schemas.openxmlformats.org/drawingml/2006/main" xmlns:r="http://schemas.openxmlformats.org/officeDocument/2006/relationships" xmlns:p1510="http://schemas.microsoft.com/office/powerpoint/2015/10/main"/>
 </file>
 
 <file path=ppt/slideLayouts/slideLayout1.xml><?xml version="1.0" encoding="utf-8"?>
@@ -348,7 +358,7 @@
             <a:fld id="{B61BEF0D-F0BB-DE4B-95CE-6DB70DBA9567}" type="datetimeFigureOut">
               <a:rPr lang="en-US" dirty="0"/>
               <a:pPr/>
-              <a:t>12/4/2017</a:t>
+              <a:t>12/5/2017</a:t>
             </a:fld>
             <a:endParaRPr lang="en-US" dirty="0"/>
           </a:p>
@@ -679,7 +689,7 @@
             <a:fld id="{B61BEF0D-F0BB-DE4B-95CE-6DB70DBA9567}" type="datetimeFigureOut">
               <a:rPr lang="en-US" dirty="0"/>
               <a:pPr/>
-              <a:t>12/4/2017</a:t>
+              <a:t>12/5/2017</a:t>
             </a:fld>
             <a:endParaRPr lang="en-US" dirty="0"/>
           </a:p>
@@ -954,7 +964,7 @@
             <a:fld id="{B61BEF0D-F0BB-DE4B-95CE-6DB70DBA9567}" type="datetimeFigureOut">
               <a:rPr lang="en-US" dirty="0"/>
               <a:pPr/>
-              <a:t>12/4/2017</a:t>
+              <a:t>12/5/2017</a:t>
             </a:fld>
             <a:endParaRPr lang="en-US" dirty="0"/>
           </a:p>
@@ -1519,7 +1529,7 @@
             <a:fld id="{B61BEF0D-F0BB-DE4B-95CE-6DB70DBA9567}" type="datetimeFigureOut">
               <a:rPr lang="en-US" dirty="0"/>
               <a:pPr/>
-              <a:t>12/4/2017</a:t>
+              <a:t>12/5/2017</a:t>
             </a:fld>
             <a:endParaRPr lang="en-US" dirty="0"/>
           </a:p>
@@ -1794,7 +1804,7 @@
             <a:fld id="{B61BEF0D-F0BB-DE4B-95CE-6DB70DBA9567}" type="datetimeFigureOut">
               <a:rPr lang="en-US" dirty="0"/>
               <a:pPr/>
-              <a:t>12/4/2017</a:t>
+              <a:t>12/5/2017</a:t>
             </a:fld>
             <a:endParaRPr lang="en-US" dirty="0"/>
           </a:p>
@@ -2353,7 +2363,7 @@
             <a:fld id="{B61BEF0D-F0BB-DE4B-95CE-6DB70DBA9567}" type="datetimeFigureOut">
               <a:rPr lang="en-US" dirty="0"/>
               <a:pPr/>
-              <a:t>12/4/2017</a:t>
+              <a:t>12/5/2017</a:t>
             </a:fld>
             <a:endParaRPr lang="en-US" dirty="0"/>
           </a:p>
@@ -2677,7 +2687,7 @@
             <a:fld id="{B61BEF0D-F0BB-DE4B-95CE-6DB70DBA9567}" type="datetimeFigureOut">
               <a:rPr lang="en-US" dirty="0"/>
               <a:pPr/>
-              <a:t>12/4/2017</a:t>
+              <a:t>12/5/2017</a:t>
             </a:fld>
             <a:endParaRPr lang="en-US" dirty="0"/>
           </a:p>
@@ -2851,7 +2861,7 @@
             <a:fld id="{B61BEF0D-F0BB-DE4B-95CE-6DB70DBA9567}" type="datetimeFigureOut">
               <a:rPr lang="en-US" dirty="0"/>
               <a:pPr/>
-              <a:t>12/4/2017</a:t>
+              <a:t>12/5/2017</a:t>
             </a:fld>
             <a:endParaRPr lang="en-US" dirty="0"/>
           </a:p>
@@ -3086,7 +3096,7 @@
             <a:fld id="{B61BEF0D-F0BB-DE4B-95CE-6DB70DBA9567}" type="datetimeFigureOut">
               <a:rPr lang="en-US" dirty="0"/>
               <a:pPr/>
-              <a:t>12/4/2017</a:t>
+              <a:t>12/5/2017</a:t>
             </a:fld>
             <a:endParaRPr lang="en-US" dirty="0"/>
           </a:p>
@@ -3283,7 +3293,7 @@
             <a:fld id="{B61BEF0D-F0BB-DE4B-95CE-6DB70DBA9567}" type="datetimeFigureOut">
               <a:rPr lang="en-US" dirty="0"/>
               <a:pPr/>
-              <a:t>12/4/2017</a:t>
+              <a:t>12/5/2017</a:t>
             </a:fld>
             <a:endParaRPr lang="en-US" dirty="0"/>
           </a:p>
@@ -3556,7 +3566,7 @@
             <a:fld id="{B61BEF0D-F0BB-DE4B-95CE-6DB70DBA9567}" type="datetimeFigureOut">
               <a:rPr lang="en-US" dirty="0"/>
               <a:pPr/>
-              <a:t>12/4/2017</a:t>
+              <a:t>12/5/2017</a:t>
             </a:fld>
             <a:endParaRPr lang="en-US" dirty="0"/>
           </a:p>
@@ -3819,7 +3829,7 @@
             <a:fld id="{B61BEF0D-F0BB-DE4B-95CE-6DB70DBA9567}" type="datetimeFigureOut">
               <a:rPr lang="en-US" dirty="0"/>
               <a:pPr/>
-              <a:t>12/4/2017</a:t>
+              <a:t>12/5/2017</a:t>
             </a:fld>
             <a:endParaRPr lang="en-US" dirty="0"/>
           </a:p>
@@ -4190,7 +4200,7 @@
             <a:fld id="{B61BEF0D-F0BB-DE4B-95CE-6DB70DBA9567}" type="datetimeFigureOut">
               <a:rPr lang="en-US" dirty="0"/>
               <a:pPr/>
-              <a:t>12/4/2017</a:t>
+              <a:t>12/5/2017</a:t>
             </a:fld>
             <a:endParaRPr lang="en-US" dirty="0"/>
           </a:p>
@@ -4335,7 +4345,7 @@
             <a:fld id="{B61BEF0D-F0BB-DE4B-95CE-6DB70DBA9567}" type="datetimeFigureOut">
               <a:rPr lang="en-US" dirty="0"/>
               <a:pPr/>
-              <a:t>12/4/2017</a:t>
+              <a:t>12/5/2017</a:t>
             </a:fld>
             <a:endParaRPr lang="en-US" dirty="0"/>
           </a:p>
@@ -4457,7 +4467,7 @@
             <a:fld id="{B61BEF0D-F0BB-DE4B-95CE-6DB70DBA9567}" type="datetimeFigureOut">
               <a:rPr lang="en-US" dirty="0"/>
               <a:pPr/>
-              <a:t>12/4/2017</a:t>
+              <a:t>12/5/2017</a:t>
             </a:fld>
             <a:endParaRPr lang="en-US" dirty="0"/>
           </a:p>
@@ -4739,7 +4749,7 @@
             <a:fld id="{B61BEF0D-F0BB-DE4B-95CE-6DB70DBA9567}" type="datetimeFigureOut">
               <a:rPr lang="en-US" dirty="0"/>
               <a:pPr/>
-              <a:t>12/4/2017</a:t>
+              <a:t>12/5/2017</a:t>
             </a:fld>
             <a:endParaRPr lang="en-US" dirty="0"/>
           </a:p>
@@ -5060,7 +5070,7 @@
             <a:fld id="{B61BEF0D-F0BB-DE4B-95CE-6DB70DBA9567}" type="datetimeFigureOut">
               <a:rPr lang="en-US" dirty="0"/>
               <a:pPr/>
-              <a:t>12/4/2017</a:t>
+              <a:t>12/5/2017</a:t>
             </a:fld>
             <a:endParaRPr lang="en-US" dirty="0"/>
           </a:p>
@@ -5271,7 +5281,7 @@
             <a:fld id="{B61BEF0D-F0BB-DE4B-95CE-6DB70DBA9567}" type="datetimeFigureOut">
               <a:rPr lang="en-US" dirty="0"/>
               <a:pPr/>
-              <a:t>12/4/2017</a:t>
+              <a:t>12/5/2017</a:t>
             </a:fld>
             <a:endParaRPr lang="en-US" dirty="0"/>
           </a:p>
@@ -6368,6 +6378,159 @@
 </p:sld>
 </file>
 
+<file path=ppt/slides/slide13.xml><?xml version="1.0" encoding="utf-8"?>
+<p:sld xmlns:a="http://schemas.openxmlformats.org/drawingml/2006/main" xmlns:r="http://schemas.openxmlformats.org/officeDocument/2006/relationships" xmlns:p="http://schemas.openxmlformats.org/presentationml/2006/main">
+  <p:cSld>
+    <p:spTree>
+      <p:nvGrpSpPr>
+        <p:cNvPr id="1" name=""/>
+        <p:cNvGrpSpPr/>
+        <p:nvPr/>
+      </p:nvGrpSpPr>
+      <p:grpSpPr>
+        <a:xfrm>
+          <a:off x="0" y="0"/>
+          <a:ext cx="0" cy="0"/>
+          <a:chOff x="0" y="0"/>
+          <a:chExt cx="0" cy="0"/>
+        </a:xfrm>
+      </p:grpSpPr>
+      <p:sp>
+        <p:nvSpPr>
+          <p:cNvPr id="2" name="Title 1">
+            <a:extLst>
+              <a:ext uri="{FF2B5EF4-FFF2-40B4-BE49-F238E27FC236}">
+                <a16:creationId xmlns:a16="http://schemas.microsoft.com/office/drawing/2014/main" id="{20102C07-65D2-48BE-A904-FBE2D8D46AD0}"/>
+              </a:ext>
+            </a:extLst>
+          </p:cNvPr>
+          <p:cNvSpPr>
+            <a:spLocks noGrp="1"/>
+          </p:cNvSpPr>
+          <p:nvPr>
+            <p:ph type="title"/>
+          </p:nvPr>
+        </p:nvSpPr>
+        <p:spPr/>
+        <p:txBody>
+          <a:bodyPr/>
+          <a:lstStyle/>
+          <a:p>
+            <a:r>
+              <a:rPr lang="en-US" dirty="0"/>
+              <a:t>Things Left To Do! </a:t>
+            </a:r>
+          </a:p>
+        </p:txBody>
+      </p:sp>
+      <p:sp>
+        <p:nvSpPr>
+          <p:cNvPr id="3" name="Content Placeholder 2">
+            <a:extLst>
+              <a:ext uri="{FF2B5EF4-FFF2-40B4-BE49-F238E27FC236}">
+                <a16:creationId xmlns:a16="http://schemas.microsoft.com/office/drawing/2014/main" id="{42500876-7586-4CAC-A059-7C73696312E2}"/>
+              </a:ext>
+            </a:extLst>
+          </p:cNvPr>
+          <p:cNvSpPr>
+            <a:spLocks noGrp="1"/>
+          </p:cNvSpPr>
+          <p:nvPr>
+            <p:ph sz="half" idx="1"/>
+          </p:nvPr>
+        </p:nvSpPr>
+        <p:spPr/>
+        <p:txBody>
+          <a:bodyPr/>
+          <a:lstStyle/>
+          <a:p>
+            <a:r>
+              <a:rPr lang="en-US" dirty="0"/>
+              <a:t>Currently have bubble sort algorithm working and storing into array of times </a:t>
+            </a:r>
+          </a:p>
+          <a:p>
+            <a:r>
+              <a:rPr lang="en-US" dirty="0"/>
+              <a:t>Need to implement smaller load threads correctly so they are storing time data into arrays</a:t>
+            </a:r>
+          </a:p>
+          <a:p>
+            <a:r>
+              <a:rPr lang="en-US" dirty="0"/>
+              <a:t>Compare all runtimes for both FIFO and RR to make sure our theoretical data matches expected </a:t>
+            </a:r>
+          </a:p>
+          <a:p>
+            <a:r>
+              <a:rPr lang="en-US" dirty="0"/>
+              <a:t>Display everything in organized graphs!  </a:t>
+            </a:r>
+          </a:p>
+        </p:txBody>
+      </p:sp>
+      <p:pic>
+        <p:nvPicPr>
+          <p:cNvPr id="1026" name="Picture 2" descr="https://pbs.twimg.com/media/C69Drn2WgAABFB0.jpg">
+            <a:extLst>
+              <a:ext uri="{FF2B5EF4-FFF2-40B4-BE49-F238E27FC236}">
+                <a16:creationId xmlns:a16="http://schemas.microsoft.com/office/drawing/2014/main" id="{75B269C2-3549-44C5-9FBD-3BF2A6491BDF}"/>
+              </a:ext>
+            </a:extLst>
+          </p:cNvPr>
+          <p:cNvPicPr>
+            <a:picLocks noGrp="1" noChangeAspect="1" noChangeArrowheads="1"/>
+          </p:cNvPicPr>
+          <p:nvPr>
+            <p:ph sz="half" idx="2"/>
+          </p:nvPr>
+        </p:nvPicPr>
+        <p:blipFill>
+          <a:blip r:embed="rId2">
+            <a:extLst>
+              <a:ext uri="{28A0092B-C50C-407E-A947-70E740481C1C}">
+                <a14:useLocalDpi xmlns:a14="http://schemas.microsoft.com/office/drawing/2010/main" val="0"/>
+              </a:ext>
+            </a:extLst>
+          </a:blip>
+          <a:srcRect/>
+          <a:stretch>
+            <a:fillRect/>
+          </a:stretch>
+        </p:blipFill>
+        <p:spPr bwMode="auto">
+          <a:xfrm>
+            <a:off x="6138069" y="2304256"/>
+            <a:ext cx="4362450" cy="3324225"/>
+          </a:xfrm>
+          <a:prstGeom prst="rect">
+            <a:avLst/>
+          </a:prstGeom>
+          <a:noFill/>
+          <a:extLst>
+            <a:ext uri="{909E8E84-426E-40DD-AFC4-6F175D3DCCD1}">
+              <a14:hiddenFill xmlns:a14="http://schemas.microsoft.com/office/drawing/2010/main">
+                <a:solidFill>
+                  <a:srgbClr val="FFFFFF"/>
+                </a:solidFill>
+              </a14:hiddenFill>
+            </a:ext>
+          </a:extLst>
+        </p:spPr>
+      </p:pic>
+    </p:spTree>
+    <p:extLst>
+      <p:ext uri="{BB962C8B-B14F-4D97-AF65-F5344CB8AC3E}">
+        <p14:creationId xmlns:p14="http://schemas.microsoft.com/office/powerpoint/2010/main" val="685892101"/>
+      </p:ext>
+    </p:extLst>
+  </p:cSld>
+  <p:clrMapOvr>
+    <a:masterClrMapping/>
+  </p:clrMapOvr>
+</p:sld>
+</file>
+
 <file path=ppt/slides/slide2.xml><?xml version="1.0" encoding="utf-8"?>
 <p:sld xmlns:a="http://schemas.openxmlformats.org/drawingml/2006/main" xmlns:r="http://schemas.openxmlformats.org/officeDocument/2006/relationships" xmlns:p="http://schemas.openxmlformats.org/presentationml/2006/main">
   <p:cSld>
